--- a/docs/diagrams/HighLevelSequenceDiagrams.pptx
+++ b/docs/diagrams/HighLevelSequenceDiagrams.pptx
@@ -107,6 +107,22 @@
       </a:defRPr>
     </a:lvl9pPr>
   </p:defaultTextStyle>
+  <p:extLst>
+    <p:ext uri="{EFAFB233-063F-42B5-8137-9DF3F51BA10A}">
+      <p15:sldGuideLst xmlns:p15="http://schemas.microsoft.com/office/powerpoint/2012/main">
+        <p15:guide id="1" orient="horz" pos="1488">
+          <p15:clr>
+            <a:srgbClr val="A4A3A4"/>
+          </p15:clr>
+        </p15:guide>
+        <p15:guide id="2" pos="2880">
+          <p15:clr>
+            <a:srgbClr val="A4A3A4"/>
+          </p15:clr>
+        </p15:guide>
+      </p15:sldGuideLst>
+    </p:ext>
+  </p:extLst>
 </p:presentation>
 </file>
 
@@ -192,7 +208,7 @@
           <a:p>
             <a:fld id="{F5CC4B3F-88C1-4FFA-B1B6-F41C21DC6924}" type="datetimeFigureOut">
               <a:rPr lang="en-US" smtClean="0"/>
-              <a:t>10/16/2016</a:t>
+              <a:t>3/23/17</a:t>
             </a:fld>
             <a:endParaRPr lang="en-US"/>
           </a:p>
@@ -641,7 +657,7 @@
           <a:p>
             <a:fld id="{78C97017-6FC3-485B-9764-EAC9E56C1D49}" type="datetimeFigureOut">
               <a:rPr lang="en-US" smtClean="0"/>
-              <a:t>10/16/2016</a:t>
+              <a:t>3/23/17</a:t>
             </a:fld>
             <a:endParaRPr lang="en-US"/>
           </a:p>
@@ -811,7 +827,7 @@
           <a:p>
             <a:fld id="{78C97017-6FC3-485B-9764-EAC9E56C1D49}" type="datetimeFigureOut">
               <a:rPr lang="en-US" smtClean="0"/>
-              <a:t>10/16/2016</a:t>
+              <a:t>3/23/17</a:t>
             </a:fld>
             <a:endParaRPr lang="en-US"/>
           </a:p>
@@ -991,7 +1007,7 @@
           <a:p>
             <a:fld id="{78C97017-6FC3-485B-9764-EAC9E56C1D49}" type="datetimeFigureOut">
               <a:rPr lang="en-US" smtClean="0"/>
-              <a:t>10/16/2016</a:t>
+              <a:t>3/23/17</a:t>
             </a:fld>
             <a:endParaRPr lang="en-US"/>
           </a:p>
@@ -1161,7 +1177,7 @@
           <a:p>
             <a:fld id="{78C97017-6FC3-485B-9764-EAC9E56C1D49}" type="datetimeFigureOut">
               <a:rPr lang="en-US" smtClean="0"/>
-              <a:t>10/16/2016</a:t>
+              <a:t>3/23/17</a:t>
             </a:fld>
             <a:endParaRPr lang="en-US"/>
           </a:p>
@@ -1407,7 +1423,7 @@
           <a:p>
             <a:fld id="{78C97017-6FC3-485B-9764-EAC9E56C1D49}" type="datetimeFigureOut">
               <a:rPr lang="en-US" smtClean="0"/>
-              <a:t>10/16/2016</a:t>
+              <a:t>3/23/17</a:t>
             </a:fld>
             <a:endParaRPr lang="en-US"/>
           </a:p>
@@ -1695,7 +1711,7 @@
           <a:p>
             <a:fld id="{78C97017-6FC3-485B-9764-EAC9E56C1D49}" type="datetimeFigureOut">
               <a:rPr lang="en-US" smtClean="0"/>
-              <a:t>10/16/2016</a:t>
+              <a:t>3/23/17</a:t>
             </a:fld>
             <a:endParaRPr lang="en-US"/>
           </a:p>
@@ -2117,7 +2133,7 @@
           <a:p>
             <a:fld id="{78C97017-6FC3-485B-9764-EAC9E56C1D49}" type="datetimeFigureOut">
               <a:rPr lang="en-US" smtClean="0"/>
-              <a:t>10/16/2016</a:t>
+              <a:t>3/23/17</a:t>
             </a:fld>
             <a:endParaRPr lang="en-US"/>
           </a:p>
@@ -2235,7 +2251,7 @@
           <a:p>
             <a:fld id="{78C97017-6FC3-485B-9764-EAC9E56C1D49}" type="datetimeFigureOut">
               <a:rPr lang="en-US" smtClean="0"/>
-              <a:t>10/16/2016</a:t>
+              <a:t>3/23/17</a:t>
             </a:fld>
             <a:endParaRPr lang="en-US"/>
           </a:p>
@@ -2330,7 +2346,7 @@
           <a:p>
             <a:fld id="{78C97017-6FC3-485B-9764-EAC9E56C1D49}" type="datetimeFigureOut">
               <a:rPr lang="en-US" smtClean="0"/>
-              <a:t>10/16/2016</a:t>
+              <a:t>3/23/17</a:t>
             </a:fld>
             <a:endParaRPr lang="en-US"/>
           </a:p>
@@ -2607,7 +2623,7 @@
           <a:p>
             <a:fld id="{78C97017-6FC3-485B-9764-EAC9E56C1D49}" type="datetimeFigureOut">
               <a:rPr lang="en-US" smtClean="0"/>
-              <a:t>10/16/2016</a:t>
+              <a:t>3/23/17</a:t>
             </a:fld>
             <a:endParaRPr lang="en-US"/>
           </a:p>
@@ -2860,7 +2876,7 @@
           <a:p>
             <a:fld id="{78C97017-6FC3-485B-9764-EAC9E56C1D49}" type="datetimeFigureOut">
               <a:rPr lang="en-US" smtClean="0"/>
-              <a:t>10/16/2016</a:t>
+              <a:t>3/23/17</a:t>
             </a:fld>
             <a:endParaRPr lang="en-US"/>
           </a:p>
@@ -3073,7 +3089,7 @@
           <a:p>
             <a:fld id="{78C97017-6FC3-485B-9764-EAC9E56C1D49}" type="datetimeFigureOut">
               <a:rPr lang="en-US" smtClean="0"/>
-              <a:t>10/16/2016</a:t>
+              <a:t>3/23/17</a:t>
             </a:fld>
             <a:endParaRPr lang="en-US"/>
           </a:p>
@@ -4151,7 +4167,7 @@
         <p:spPr>
           <a:xfrm>
             <a:off x="466818" y="1345880"/>
-            <a:ext cx="860170" cy="215444"/>
+            <a:ext cx="860170" cy="307777"/>
           </a:xfrm>
           <a:prstGeom prst="rect">
             <a:avLst/>
@@ -4165,10 +4181,16 @@
           <a:lstStyle/>
           <a:p>
             <a:r>
-              <a:rPr lang="en-US" sz="1400" dirty="0" smtClean="0"/>
-              <a:t>delete 1</a:t>
-            </a:r>
-            <a:endParaRPr lang="en-US" sz="1400" dirty="0"/>
+              <a:rPr lang="en-US" sz="1000" dirty="0" smtClean="0"/>
+              <a:t>edit 1 </a:t>
+            </a:r>
+          </a:p>
+          <a:p>
+            <a:r>
+              <a:rPr lang="en-US" sz="1000" dirty="0" smtClean="0"/>
+              <a:t>[KEYWORDS]</a:t>
+            </a:r>
+            <a:endParaRPr lang="en-US" sz="1000" dirty="0"/>
           </a:p>
         </p:txBody>
       </p:sp>
@@ -4217,7 +4239,7 @@
         <p:spPr>
           <a:xfrm>
             <a:off x="2166172" y="1453379"/>
-            <a:ext cx="1424846" cy="215444"/>
+            <a:ext cx="1424846" cy="430887"/>
           </a:xfrm>
           <a:prstGeom prst="rect">
             <a:avLst/>
@@ -4236,7 +4258,7 @@
                   <a:srgbClr val="0070C0"/>
                 </a:solidFill>
               </a:rPr>
-              <a:t>execute(“delete 1”)</a:t>
+              <a:t>execute(“edit 1 [KEYWORDS]”)</a:t>
             </a:r>
             <a:endParaRPr lang="en-US" sz="1400" dirty="0">
               <a:solidFill>
@@ -4310,7 +4332,7 @@
                   <a:srgbClr val="7030A0"/>
                 </a:solidFill>
               </a:rPr>
-              <a:t>deletePerson</a:t>
+              <a:t>editTask</a:t>
             </a:r>
             <a:r>
               <a:rPr lang="en-US" sz="1400" dirty="0" smtClean="0">
@@ -4337,7 +4359,7 @@
         <p:spPr>
           <a:xfrm>
             <a:off x="6074030" y="1687656"/>
-            <a:ext cx="2438400" cy="215444"/>
+            <a:ext cx="2438400" cy="184666"/>
           </a:xfrm>
           <a:prstGeom prst="rect">
             <a:avLst/>
@@ -4351,7 +4373,7 @@
           <a:lstStyle/>
           <a:p>
             <a:r>
-              <a:rPr lang="en-US" sz="1400" dirty="0" smtClean="0">
+              <a:rPr lang="en-US" sz="1200" dirty="0" smtClean="0">
                 <a:solidFill>
                   <a:schemeClr val="accent5">
                     <a:lumMod val="75000"/>
@@ -4361,17 +4383,17 @@
               <a:t>post(</a:t>
             </a:r>
             <a:r>
-              <a:rPr lang="en-US" sz="1400" dirty="0" err="1" smtClean="0">
+              <a:rPr lang="en-US" sz="1200" dirty="0" err="1" smtClean="0">
                 <a:solidFill>
                   <a:schemeClr val="accent5">
                     <a:lumMod val="75000"/>
                   </a:schemeClr>
                 </a:solidFill>
               </a:rPr>
-              <a:t>AddressBookChangedEvent</a:t>
-            </a:r>
-            <a:r>
-              <a:rPr lang="en-US" sz="1400" dirty="0" smtClean="0">
+              <a:t>TaskManagerChangedEvent</a:t>
+            </a:r>
+            <a:r>
+              <a:rPr lang="en-US" sz="1200" dirty="0" smtClean="0">
                 <a:solidFill>
                   <a:schemeClr val="accent5">
                     <a:lumMod val="75000"/>
@@ -4380,7 +4402,7 @@
               </a:rPr>
               <a:t>)</a:t>
             </a:r>
-            <a:endParaRPr lang="en-US" sz="1400" dirty="0">
+            <a:endParaRPr lang="en-US" sz="1200" dirty="0">
               <a:solidFill>
                 <a:schemeClr val="accent5">
                   <a:lumMod val="75000"/>
@@ -4942,7 +4964,7 @@
                   </a:schemeClr>
                 </a:solidFill>
               </a:rPr>
-              <a:t>AddressBookChangedEvent</a:t>
+              <a:t>TaskManagerChangedEvent</a:t>
             </a:r>
             <a:r>
               <a:rPr lang="en-US" sz="1400" dirty="0" smtClean="0">
@@ -5293,7 +5315,7 @@
         <p:spPr>
           <a:xfrm>
             <a:off x="5036330" y="5065911"/>
-            <a:ext cx="2659870" cy="215444"/>
+            <a:ext cx="2659870" cy="184666"/>
           </a:xfrm>
           <a:prstGeom prst="rect">
             <a:avLst/>
@@ -5307,17 +5329,17 @@
           <a:lstStyle/>
           <a:p>
             <a:r>
-              <a:rPr lang="en-US" sz="1400" dirty="0" err="1" smtClean="0">
+              <a:rPr lang="en-US" sz="1200" dirty="0" err="1" smtClean="0">
                 <a:solidFill>
                   <a:schemeClr val="accent6">
                     <a:lumMod val="75000"/>
                   </a:schemeClr>
                 </a:solidFill>
               </a:rPr>
-              <a:t>handleAddresssBookChangedEvent</a:t>
-            </a:r>
-            <a:r>
-              <a:rPr lang="en-US" sz="1400" dirty="0" smtClean="0">
+              <a:t>handleTaskManagerChangedEvent</a:t>
+            </a:r>
+            <a:r>
+              <a:rPr lang="en-US" sz="1200" dirty="0" smtClean="0">
                 <a:solidFill>
                   <a:schemeClr val="accent6">
                     <a:lumMod val="75000"/>
@@ -5326,7 +5348,7 @@
               </a:rPr>
               <a:t>()</a:t>
             </a:r>
-            <a:endParaRPr lang="en-US" sz="1400" dirty="0">
+            <a:endParaRPr lang="en-US" sz="1200" dirty="0">
               <a:solidFill>
                 <a:schemeClr val="accent6">
                   <a:lumMod val="75000"/>
@@ -5606,7 +5628,7 @@
         <p:spPr>
           <a:xfrm>
             <a:off x="1416276" y="5395369"/>
-            <a:ext cx="2659870" cy="215444"/>
+            <a:ext cx="2659870" cy="184666"/>
           </a:xfrm>
           <a:prstGeom prst="rect">
             <a:avLst/>
@@ -5620,22 +5642,22 @@
           <a:lstStyle/>
           <a:p>
             <a:r>
-              <a:rPr lang="en-US" sz="1400" dirty="0" err="1" smtClean="0">
+              <a:rPr lang="en-US" sz="1200" dirty="0" err="1" smtClean="0">
                 <a:solidFill>
                   <a:srgbClr val="00B050"/>
                 </a:solidFill>
               </a:rPr>
-              <a:t>handleAddresssBookChangedEvent</a:t>
-            </a:r>
-            <a:r>
-              <a:rPr lang="en-US" sz="1400" dirty="0" smtClean="0">
+              <a:t>handleTaskManagerChangedEvent</a:t>
+            </a:r>
+            <a:r>
+              <a:rPr lang="en-US" sz="1200" dirty="0" smtClean="0">
                 <a:solidFill>
                   <a:srgbClr val="00B050"/>
                 </a:solidFill>
               </a:rPr>
               <a:t>()</a:t>
             </a:r>
-            <a:endParaRPr lang="en-US" sz="1400" dirty="0">
+            <a:endParaRPr lang="en-US" sz="1200" dirty="0">
               <a:solidFill>
                 <a:srgbClr val="00B050"/>
               </a:solidFill>

--- a/docs/diagrams/HighLevelSequenceDiagrams.pptx
+++ b/docs/diagrams/HighLevelSequenceDiagrams.pptx
@@ -107,22 +107,6 @@
       </a:defRPr>
     </a:lvl9pPr>
   </p:defaultTextStyle>
-  <p:extLst>
-    <p:ext uri="{EFAFB233-063F-42B5-8137-9DF3F51BA10A}">
-      <p15:sldGuideLst xmlns:p15="http://schemas.microsoft.com/office/powerpoint/2012/main">
-        <p15:guide id="1" orient="horz" pos="1488">
-          <p15:clr>
-            <a:srgbClr val="A4A3A4"/>
-          </p15:clr>
-        </p15:guide>
-        <p15:guide id="2" pos="2880">
-          <p15:clr>
-            <a:srgbClr val="A4A3A4"/>
-          </p15:clr>
-        </p15:guide>
-      </p15:sldGuideLst>
-    </p:ext>
-  </p:extLst>
 </p:presentation>
 </file>
 
@@ -208,7 +192,7 @@
           <a:p>
             <a:fld id="{F5CC4B3F-88C1-4FFA-B1B6-F41C21DC6924}" type="datetimeFigureOut">
               <a:rPr lang="en-US" smtClean="0"/>
-              <a:t>3/23/17</a:t>
+              <a:t>10/16/2016</a:t>
             </a:fld>
             <a:endParaRPr lang="en-US"/>
           </a:p>
@@ -657,7 +641,7 @@
           <a:p>
             <a:fld id="{78C97017-6FC3-485B-9764-EAC9E56C1D49}" type="datetimeFigureOut">
               <a:rPr lang="en-US" smtClean="0"/>
-              <a:t>3/23/17</a:t>
+              <a:t>10/16/2016</a:t>
             </a:fld>
             <a:endParaRPr lang="en-US"/>
           </a:p>
@@ -827,7 +811,7 @@
           <a:p>
             <a:fld id="{78C97017-6FC3-485B-9764-EAC9E56C1D49}" type="datetimeFigureOut">
               <a:rPr lang="en-US" smtClean="0"/>
-              <a:t>3/23/17</a:t>
+              <a:t>10/16/2016</a:t>
             </a:fld>
             <a:endParaRPr lang="en-US"/>
           </a:p>
@@ -1007,7 +991,7 @@
           <a:p>
             <a:fld id="{78C97017-6FC3-485B-9764-EAC9E56C1D49}" type="datetimeFigureOut">
               <a:rPr lang="en-US" smtClean="0"/>
-              <a:t>3/23/17</a:t>
+              <a:t>10/16/2016</a:t>
             </a:fld>
             <a:endParaRPr lang="en-US"/>
           </a:p>
@@ -1177,7 +1161,7 @@
           <a:p>
             <a:fld id="{78C97017-6FC3-485B-9764-EAC9E56C1D49}" type="datetimeFigureOut">
               <a:rPr lang="en-US" smtClean="0"/>
-              <a:t>3/23/17</a:t>
+              <a:t>10/16/2016</a:t>
             </a:fld>
             <a:endParaRPr lang="en-US"/>
           </a:p>
@@ -1423,7 +1407,7 @@
           <a:p>
             <a:fld id="{78C97017-6FC3-485B-9764-EAC9E56C1D49}" type="datetimeFigureOut">
               <a:rPr lang="en-US" smtClean="0"/>
-              <a:t>3/23/17</a:t>
+              <a:t>10/16/2016</a:t>
             </a:fld>
             <a:endParaRPr lang="en-US"/>
           </a:p>
@@ -1711,7 +1695,7 @@
           <a:p>
             <a:fld id="{78C97017-6FC3-485B-9764-EAC9E56C1D49}" type="datetimeFigureOut">
               <a:rPr lang="en-US" smtClean="0"/>
-              <a:t>3/23/17</a:t>
+              <a:t>10/16/2016</a:t>
             </a:fld>
             <a:endParaRPr lang="en-US"/>
           </a:p>
@@ -2133,7 +2117,7 @@
           <a:p>
             <a:fld id="{78C97017-6FC3-485B-9764-EAC9E56C1D49}" type="datetimeFigureOut">
               <a:rPr lang="en-US" smtClean="0"/>
-              <a:t>3/23/17</a:t>
+              <a:t>10/16/2016</a:t>
             </a:fld>
             <a:endParaRPr lang="en-US"/>
           </a:p>
@@ -2251,7 +2235,7 @@
           <a:p>
             <a:fld id="{78C97017-6FC3-485B-9764-EAC9E56C1D49}" type="datetimeFigureOut">
               <a:rPr lang="en-US" smtClean="0"/>
-              <a:t>3/23/17</a:t>
+              <a:t>10/16/2016</a:t>
             </a:fld>
             <a:endParaRPr lang="en-US"/>
           </a:p>
@@ -2346,7 +2330,7 @@
           <a:p>
             <a:fld id="{78C97017-6FC3-485B-9764-EAC9E56C1D49}" type="datetimeFigureOut">
               <a:rPr lang="en-US" smtClean="0"/>
-              <a:t>3/23/17</a:t>
+              <a:t>10/16/2016</a:t>
             </a:fld>
             <a:endParaRPr lang="en-US"/>
           </a:p>
@@ -2623,7 +2607,7 @@
           <a:p>
             <a:fld id="{78C97017-6FC3-485B-9764-EAC9E56C1D49}" type="datetimeFigureOut">
               <a:rPr lang="en-US" smtClean="0"/>
-              <a:t>3/23/17</a:t>
+              <a:t>10/16/2016</a:t>
             </a:fld>
             <a:endParaRPr lang="en-US"/>
           </a:p>
@@ -2876,7 +2860,7 @@
           <a:p>
             <a:fld id="{78C97017-6FC3-485B-9764-EAC9E56C1D49}" type="datetimeFigureOut">
               <a:rPr lang="en-US" smtClean="0"/>
-              <a:t>3/23/17</a:t>
+              <a:t>10/16/2016</a:t>
             </a:fld>
             <a:endParaRPr lang="en-US"/>
           </a:p>
@@ -3089,7 +3073,7 @@
           <a:p>
             <a:fld id="{78C97017-6FC3-485B-9764-EAC9E56C1D49}" type="datetimeFigureOut">
               <a:rPr lang="en-US" smtClean="0"/>
-              <a:t>3/23/17</a:t>
+              <a:t>10/16/2016</a:t>
             </a:fld>
             <a:endParaRPr lang="en-US"/>
           </a:p>
@@ -4167,7 +4151,7 @@
         <p:spPr>
           <a:xfrm>
             <a:off x="466818" y="1345880"/>
-            <a:ext cx="860170" cy="307777"/>
+            <a:ext cx="860170" cy="215444"/>
           </a:xfrm>
           <a:prstGeom prst="rect">
             <a:avLst/>
@@ -4181,16 +4165,10 @@
           <a:lstStyle/>
           <a:p>
             <a:r>
-              <a:rPr lang="en-US" sz="1000" dirty="0" smtClean="0"/>
-              <a:t>edit 1 </a:t>
-            </a:r>
-          </a:p>
-          <a:p>
-            <a:r>
-              <a:rPr lang="en-US" sz="1000" dirty="0" smtClean="0"/>
-              <a:t>[KEYWORDS]</a:t>
-            </a:r>
-            <a:endParaRPr lang="en-US" sz="1000" dirty="0"/>
+              <a:rPr lang="en-US" sz="1400" dirty="0" smtClean="0"/>
+              <a:t>delete 1</a:t>
+            </a:r>
+            <a:endParaRPr lang="en-US" sz="1400" dirty="0"/>
           </a:p>
         </p:txBody>
       </p:sp>
@@ -4239,7 +4217,7 @@
         <p:spPr>
           <a:xfrm>
             <a:off x="2166172" y="1453379"/>
-            <a:ext cx="1424846" cy="430887"/>
+            <a:ext cx="1424846" cy="215444"/>
           </a:xfrm>
           <a:prstGeom prst="rect">
             <a:avLst/>
@@ -4258,7 +4236,7 @@
                   <a:srgbClr val="0070C0"/>
                 </a:solidFill>
               </a:rPr>
-              <a:t>execute(“edit 1 [KEYWORDS]”)</a:t>
+              <a:t>execute(“delete 1”)</a:t>
             </a:r>
             <a:endParaRPr lang="en-US" sz="1400" dirty="0">
               <a:solidFill>
@@ -4332,7 +4310,7 @@
                   <a:srgbClr val="7030A0"/>
                 </a:solidFill>
               </a:rPr>
-              <a:t>editTask</a:t>
+              <a:t>deletePerson</a:t>
             </a:r>
             <a:r>
               <a:rPr lang="en-US" sz="1400" dirty="0" smtClean="0">
@@ -4359,7 +4337,7 @@
         <p:spPr>
           <a:xfrm>
             <a:off x="6074030" y="1687656"/>
-            <a:ext cx="2438400" cy="184666"/>
+            <a:ext cx="2438400" cy="215444"/>
           </a:xfrm>
           <a:prstGeom prst="rect">
             <a:avLst/>
@@ -4373,7 +4351,7 @@
           <a:lstStyle/>
           <a:p>
             <a:r>
-              <a:rPr lang="en-US" sz="1200" dirty="0" smtClean="0">
+              <a:rPr lang="en-US" sz="1400" dirty="0" smtClean="0">
                 <a:solidFill>
                   <a:schemeClr val="accent5">
                     <a:lumMod val="75000"/>
@@ -4383,17 +4361,17 @@
               <a:t>post(</a:t>
             </a:r>
             <a:r>
-              <a:rPr lang="en-US" sz="1200" dirty="0" err="1" smtClean="0">
+              <a:rPr lang="en-US" sz="1400" dirty="0" err="1" smtClean="0">
                 <a:solidFill>
                   <a:schemeClr val="accent5">
                     <a:lumMod val="75000"/>
                   </a:schemeClr>
                 </a:solidFill>
               </a:rPr>
-              <a:t>TaskManagerChangedEvent</a:t>
-            </a:r>
-            <a:r>
-              <a:rPr lang="en-US" sz="1200" dirty="0" smtClean="0">
+              <a:t>AddressBookChangedEvent</a:t>
+            </a:r>
+            <a:r>
+              <a:rPr lang="en-US" sz="1400" dirty="0" smtClean="0">
                 <a:solidFill>
                   <a:schemeClr val="accent5">
                     <a:lumMod val="75000"/>
@@ -4402,7 +4380,7 @@
               </a:rPr>
               <a:t>)</a:t>
             </a:r>
-            <a:endParaRPr lang="en-US" sz="1200" dirty="0">
+            <a:endParaRPr lang="en-US" sz="1400" dirty="0">
               <a:solidFill>
                 <a:schemeClr val="accent5">
                   <a:lumMod val="75000"/>
@@ -4964,7 +4942,7 @@
                   </a:schemeClr>
                 </a:solidFill>
               </a:rPr>
-              <a:t>TaskManagerChangedEvent</a:t>
+              <a:t>AddressBookChangedEvent</a:t>
             </a:r>
             <a:r>
               <a:rPr lang="en-US" sz="1400" dirty="0" smtClean="0">
@@ -5315,7 +5293,7 @@
         <p:spPr>
           <a:xfrm>
             <a:off x="5036330" y="5065911"/>
-            <a:ext cx="2659870" cy="184666"/>
+            <a:ext cx="2659870" cy="215444"/>
           </a:xfrm>
           <a:prstGeom prst="rect">
             <a:avLst/>
@@ -5329,17 +5307,17 @@
           <a:lstStyle/>
           <a:p>
             <a:r>
-              <a:rPr lang="en-US" sz="1200" dirty="0" err="1" smtClean="0">
+              <a:rPr lang="en-US" sz="1400" dirty="0" err="1" smtClean="0">
                 <a:solidFill>
                   <a:schemeClr val="accent6">
                     <a:lumMod val="75000"/>
                   </a:schemeClr>
                 </a:solidFill>
               </a:rPr>
-              <a:t>handleTaskManagerChangedEvent</a:t>
-            </a:r>
-            <a:r>
-              <a:rPr lang="en-US" sz="1200" dirty="0" smtClean="0">
+              <a:t>handleAddresssBookChangedEvent</a:t>
+            </a:r>
+            <a:r>
+              <a:rPr lang="en-US" sz="1400" dirty="0" smtClean="0">
                 <a:solidFill>
                   <a:schemeClr val="accent6">
                     <a:lumMod val="75000"/>
@@ -5348,7 +5326,7 @@
               </a:rPr>
               <a:t>()</a:t>
             </a:r>
-            <a:endParaRPr lang="en-US" sz="1200" dirty="0">
+            <a:endParaRPr lang="en-US" sz="1400" dirty="0">
               <a:solidFill>
                 <a:schemeClr val="accent6">
                   <a:lumMod val="75000"/>
@@ -5628,7 +5606,7 @@
         <p:spPr>
           <a:xfrm>
             <a:off x="1416276" y="5395369"/>
-            <a:ext cx="2659870" cy="184666"/>
+            <a:ext cx="2659870" cy="215444"/>
           </a:xfrm>
           <a:prstGeom prst="rect">
             <a:avLst/>
@@ -5642,22 +5620,22 @@
           <a:lstStyle/>
           <a:p>
             <a:r>
-              <a:rPr lang="en-US" sz="1200" dirty="0" err="1" smtClean="0">
+              <a:rPr lang="en-US" sz="1400" dirty="0" err="1" smtClean="0">
                 <a:solidFill>
                   <a:srgbClr val="00B050"/>
                 </a:solidFill>
               </a:rPr>
-              <a:t>handleTaskManagerChangedEvent</a:t>
-            </a:r>
-            <a:r>
-              <a:rPr lang="en-US" sz="1200" dirty="0" smtClean="0">
+              <a:t>handleAddresssBookChangedEvent</a:t>
+            </a:r>
+            <a:r>
+              <a:rPr lang="en-US" sz="1400" dirty="0" smtClean="0">
                 <a:solidFill>
                   <a:srgbClr val="00B050"/>
                 </a:solidFill>
               </a:rPr>
               <a:t>()</a:t>
             </a:r>
-            <a:endParaRPr lang="en-US" sz="1200" dirty="0">
+            <a:endParaRPr lang="en-US" sz="1400" dirty="0">
               <a:solidFill>
                 <a:srgbClr val="00B050"/>
               </a:solidFill>
